--- a/EBOOK.pptx
+++ b/EBOOK.pptx
@@ -5881,7 +5881,7 @@
                 <a:ea typeface="Calibri Light" panose="020F0302020204030204" pitchFamily="34" charset="0"/>
                 <a:cs typeface="Calibri Light" panose="020F0302020204030204" pitchFamily="34" charset="0"/>
               </a:rPr>
-              <a:t>Alimentos que Travão o Abdômen</a:t>
+              <a:t>Alimentos que Travam o Abdômen</a:t>
             </a:r>
           </a:p>
         </p:txBody>
